--- a/pics/2021-05-28-Boundary_Value_Proglem/pics.pptx
+++ b/pics/2021-05-28-Boundary_Value_Proglem/pics.pptx
@@ -7,6 +7,7 @@
   <p:sldIdLst>
     <p:sldId id="256" r:id="rId2"/>
     <p:sldId id="257" r:id="rId3"/>
+    <p:sldId id="258" r:id="rId4"/>
   </p:sldIdLst>
   <p:sldSz cx="12192000" cy="6858000"/>
   <p:notesSz cx="6858000" cy="9144000"/>
@@ -3672,6 +3673,384 @@
 </p:sld>
 </file>
 
+<file path=ppt/slides/slide3.xml><?xml version="1.0" encoding="utf-8"?>
+<p:sld xmlns:a="http://schemas.openxmlformats.org/drawingml/2006/main" xmlns:r="http://schemas.openxmlformats.org/officeDocument/2006/relationships" xmlns:p="http://schemas.openxmlformats.org/presentationml/2006/main">
+  <p:cSld>
+    <p:spTree>
+      <p:nvGrpSpPr>
+        <p:cNvPr id="1" name=""/>
+        <p:cNvGrpSpPr/>
+        <p:nvPr/>
+      </p:nvGrpSpPr>
+      <p:grpSpPr>
+        <a:xfrm>
+          <a:off x="0" y="0"/>
+          <a:ext cx="0" cy="0"/>
+          <a:chOff x="0" y="0"/>
+          <a:chExt cx="0" cy="0"/>
+        </a:xfrm>
+      </p:grpSpPr>
+      <p:grpSp>
+        <p:nvGrpSpPr>
+          <p:cNvPr id="11" name="그룹 10">
+            <a:extLst>
+              <a:ext uri="{FF2B5EF4-FFF2-40B4-BE49-F238E27FC236}">
+                <a16:creationId xmlns:a16="http://schemas.microsoft.com/office/drawing/2014/main" id="{BCA8FB61-1367-4D3B-9DD6-EAEF5D22BF06}"/>
+              </a:ext>
+            </a:extLst>
+          </p:cNvPr>
+          <p:cNvGrpSpPr/>
+          <p:nvPr/>
+        </p:nvGrpSpPr>
+        <p:grpSpPr>
+          <a:xfrm>
+            <a:off x="1971040" y="177800"/>
+            <a:ext cx="7782560" cy="6515100"/>
+            <a:chOff x="1971040" y="167640"/>
+            <a:chExt cx="7782560" cy="6515100"/>
+          </a:xfrm>
+        </p:grpSpPr>
+        <p:pic>
+          <p:nvPicPr>
+            <p:cNvPr id="6" name="그림 5">
+              <a:extLst>
+                <a:ext uri="{FF2B5EF4-FFF2-40B4-BE49-F238E27FC236}">
+                  <a16:creationId xmlns:a16="http://schemas.microsoft.com/office/drawing/2014/main" id="{90A3E004-85E0-4B81-A729-33E9E3138837}"/>
+                </a:ext>
+              </a:extLst>
+            </p:cNvPr>
+            <p:cNvPicPr>
+              <a:picLocks noChangeAspect="1"/>
+            </p:cNvPicPr>
+            <p:nvPr/>
+          </p:nvPicPr>
+          <p:blipFill>
+            <a:blip r:embed="rId2"/>
+            <a:stretch>
+              <a:fillRect/>
+            </a:stretch>
+          </p:blipFill>
+          <p:spPr>
+            <a:xfrm>
+              <a:off x="1971040" y="845820"/>
+              <a:ext cx="7782560" cy="5836920"/>
+            </a:xfrm>
+            <a:prstGeom prst="rect">
+              <a:avLst/>
+            </a:prstGeom>
+          </p:spPr>
+        </p:pic>
+        <mc:AlternateContent xmlns:mc="http://schemas.openxmlformats.org/markup-compatibility/2006">
+          <mc:Choice xmlns:a14="http://schemas.microsoft.com/office/drawing/2010/main" Requires="a14">
+            <p:sp>
+              <p:nvSpPr>
+                <p:cNvPr id="10" name="TextBox 9">
+                  <a:extLst>
+                    <a:ext uri="{FF2B5EF4-FFF2-40B4-BE49-F238E27FC236}">
+                      <a16:creationId xmlns:a16="http://schemas.microsoft.com/office/drawing/2014/main" id="{2C81266C-FD38-4371-B235-0F1E5EB5CF38}"/>
+                    </a:ext>
+                  </a:extLst>
+                </p:cNvPr>
+                <p:cNvSpPr txBox="1"/>
+                <p:nvPr/>
+              </p:nvSpPr>
+              <p:spPr>
+                <a:xfrm>
+                  <a:off x="3829032" y="167640"/>
+                  <a:ext cx="4330737" cy="1051570"/>
+                </a:xfrm>
+                <a:prstGeom prst="rect">
+                  <a:avLst/>
+                </a:prstGeom>
+                <a:noFill/>
+              </p:spPr>
+              <p:txBody>
+                <a:bodyPr wrap="none" rtlCol="0">
+                  <a:spAutoFit/>
+                </a:bodyPr>
+                <a:lstStyle/>
+                <a:p>
+                  <a14:m>
+                    <m:oMathPara xmlns:m="http://schemas.openxmlformats.org/officeDocument/2006/math">
+                      <m:oMathParaPr>
+                        <m:jc m:val="centerGroup"/>
+                      </m:oMathParaPr>
+                      <m:oMath xmlns:m="http://schemas.openxmlformats.org/officeDocument/2006/math">
+                        <m:d>
+                          <m:dPr>
+                            <m:begChr m:val="{"/>
+                            <m:endChr m:val=""/>
+                            <m:ctrlPr>
+                              <a:rPr lang="en-US" altLang="ko-KR" sz="2400" i="1" smtClean="0">
+                                <a:latin typeface="Cambria Math" panose="02040503050406030204" pitchFamily="18" charset="0"/>
+                              </a:rPr>
+                            </m:ctrlPr>
+                          </m:dPr>
+                          <m:e>
+                            <m:eqArr>
+                              <m:eqArrPr>
+                                <m:ctrlPr>
+                                  <a:rPr lang="en-US" altLang="ko-KR" sz="2400" i="1" smtClean="0">
+                                    <a:latin typeface="Cambria Math" panose="02040503050406030204" pitchFamily="18" charset="0"/>
+                                  </a:rPr>
+                                </m:ctrlPr>
+                              </m:eqArrPr>
+                              <m:e>
+                                <m:r>
+                                  <a:rPr lang="en-US" altLang="ko-KR" sz="2400" b="0" i="1" smtClean="0">
+                                    <a:latin typeface="Cambria Math" panose="02040503050406030204" pitchFamily="18" charset="0"/>
+                                  </a:rPr>
+                                  <m:t>𝑥</m:t>
+                                </m:r>
+                                <m:d>
+                                  <m:dPr>
+                                    <m:ctrlPr>
+                                      <a:rPr lang="en-US" altLang="ko-KR" sz="2400" b="0" i="1" smtClean="0">
+                                        <a:latin typeface="Cambria Math" panose="02040503050406030204" pitchFamily="18" charset="0"/>
+                                      </a:rPr>
+                                    </m:ctrlPr>
+                                  </m:dPr>
+                                  <m:e>
+                                    <m:r>
+                                      <a:rPr lang="en-US" altLang="ko-KR" sz="2400" b="0" i="1" smtClean="0">
+                                        <a:latin typeface="Cambria Math" panose="02040503050406030204" pitchFamily="18" charset="0"/>
+                                      </a:rPr>
+                                      <m:t>𝑡</m:t>
+                                    </m:r>
+                                  </m:e>
+                                </m:d>
+                                <m:r>
+                                  <a:rPr lang="en-US" altLang="ko-KR" sz="2400" b="0" i="1" smtClean="0">
+                                    <a:latin typeface="Cambria Math" panose="02040503050406030204" pitchFamily="18" charset="0"/>
+                                  </a:rPr>
+                                  <m:t>=−0.001</m:t>
+                                </m:r>
+                                <m:sSup>
+                                  <m:sSupPr>
+                                    <m:ctrlPr>
+                                      <a:rPr lang="en-US" altLang="ko-KR" sz="2400" b="0" i="1" smtClean="0">
+                                        <a:latin typeface="Cambria Math" panose="02040503050406030204" pitchFamily="18" charset="0"/>
+                                      </a:rPr>
+                                    </m:ctrlPr>
+                                  </m:sSupPr>
+                                  <m:e>
+                                    <m:r>
+                                      <a:rPr lang="en-US" altLang="ko-KR" sz="2400" b="0" i="1" smtClean="0">
+                                        <a:latin typeface="Cambria Math" panose="02040503050406030204" pitchFamily="18" charset="0"/>
+                                      </a:rPr>
+                                      <m:t>𝑒</m:t>
+                                    </m:r>
+                                  </m:e>
+                                  <m:sup>
+                                    <m:r>
+                                      <a:rPr lang="en-US" altLang="ko-KR" sz="2400" b="0" i="1" smtClean="0">
+                                        <a:latin typeface="Cambria Math" panose="02040503050406030204" pitchFamily="18" charset="0"/>
+                                      </a:rPr>
+                                      <m:t>3</m:t>
+                                    </m:r>
+                                    <m:r>
+                                      <a:rPr lang="en-US" altLang="ko-KR" sz="2400" b="0" i="1" smtClean="0">
+                                        <a:latin typeface="Cambria Math" panose="02040503050406030204" pitchFamily="18" charset="0"/>
+                                      </a:rPr>
+                                      <m:t>𝑡</m:t>
+                                    </m:r>
+                                  </m:sup>
+                                </m:sSup>
+                                <m:r>
+                                  <a:rPr lang="en-US" altLang="ko-KR" sz="2400" b="0" i="1" smtClean="0">
+                                    <a:latin typeface="Cambria Math" panose="02040503050406030204" pitchFamily="18" charset="0"/>
+                                  </a:rPr>
+                                  <m:t>+0.7430</m:t>
+                                </m:r>
+                                <m:sSup>
+                                  <m:sSupPr>
+                                    <m:ctrlPr>
+                                      <a:rPr lang="en-US" altLang="ko-KR" sz="2400" b="0" i="1" smtClean="0">
+                                        <a:latin typeface="Cambria Math" panose="02040503050406030204" pitchFamily="18" charset="0"/>
+                                      </a:rPr>
+                                    </m:ctrlPr>
+                                  </m:sSupPr>
+                                  <m:e>
+                                    <m:r>
+                                      <a:rPr lang="en-US" altLang="ko-KR" sz="2400" b="0" i="1" smtClean="0">
+                                        <a:latin typeface="Cambria Math" panose="02040503050406030204" pitchFamily="18" charset="0"/>
+                                      </a:rPr>
+                                      <m:t>𝑒</m:t>
+                                    </m:r>
+                                  </m:e>
+                                  <m:sup>
+                                    <m:r>
+                                      <a:rPr lang="en-US" altLang="ko-KR" sz="2400" b="0" i="1" smtClean="0">
+                                        <a:latin typeface="Cambria Math" panose="02040503050406030204" pitchFamily="18" charset="0"/>
+                                      </a:rPr>
+                                      <m:t>𝑡</m:t>
+                                    </m:r>
+                                  </m:sup>
+                                </m:sSup>
+                              </m:e>
+                              <m:e>
+                                <m:r>
+                                  <a:rPr lang="en-US" altLang="ko-KR" sz="2400" b="0" i="1" smtClean="0">
+                                    <a:latin typeface="Cambria Math" panose="02040503050406030204" pitchFamily="18" charset="0"/>
+                                  </a:rPr>
+                                  <m:t>𝑦</m:t>
+                                </m:r>
+                                <m:d>
+                                  <m:dPr>
+                                    <m:ctrlPr>
+                                      <a:rPr lang="en-US" altLang="ko-KR" sz="2400" b="0" i="1" smtClean="0">
+                                        <a:latin typeface="Cambria Math" panose="02040503050406030204" pitchFamily="18" charset="0"/>
+                                      </a:rPr>
+                                    </m:ctrlPr>
+                                  </m:dPr>
+                                  <m:e>
+                                    <m:r>
+                                      <a:rPr lang="en-US" altLang="ko-KR" sz="2400" b="0" i="1" smtClean="0">
+                                        <a:latin typeface="Cambria Math" panose="02040503050406030204" pitchFamily="18" charset="0"/>
+                                      </a:rPr>
+                                      <m:t>𝑡</m:t>
+                                    </m:r>
+                                  </m:e>
+                                </m:d>
+                                <m:r>
+                                  <a:rPr lang="en-US" altLang="ko-KR" sz="2400" b="0" i="1" smtClean="0">
+                                    <a:latin typeface="Cambria Math" panose="02040503050406030204" pitchFamily="18" charset="0"/>
+                                  </a:rPr>
+                                  <m:t>=−0.003</m:t>
+                                </m:r>
+                                <m:sSup>
+                                  <m:sSupPr>
+                                    <m:ctrlPr>
+                                      <a:rPr lang="en-US" altLang="ko-KR" sz="2400" b="0" i="1" smtClean="0">
+                                        <a:latin typeface="Cambria Math" panose="02040503050406030204" pitchFamily="18" charset="0"/>
+                                      </a:rPr>
+                                    </m:ctrlPr>
+                                  </m:sSupPr>
+                                  <m:e>
+                                    <m:r>
+                                      <a:rPr lang="en-US" altLang="ko-KR" sz="2400" b="0" i="1" smtClean="0">
+                                        <a:latin typeface="Cambria Math" panose="02040503050406030204" pitchFamily="18" charset="0"/>
+                                      </a:rPr>
+                                      <m:t>𝑒</m:t>
+                                    </m:r>
+                                  </m:e>
+                                  <m:sup>
+                                    <m:r>
+                                      <a:rPr lang="en-US" altLang="ko-KR" sz="2400" b="0" i="1" smtClean="0">
+                                        <a:latin typeface="Cambria Math" panose="02040503050406030204" pitchFamily="18" charset="0"/>
+                                      </a:rPr>
+                                      <m:t>3</m:t>
+                                    </m:r>
+                                    <m:r>
+                                      <a:rPr lang="en-US" altLang="ko-KR" sz="2400" b="0" i="1" smtClean="0">
+                                        <a:latin typeface="Cambria Math" panose="02040503050406030204" pitchFamily="18" charset="0"/>
+                                      </a:rPr>
+                                      <m:t>𝑡</m:t>
+                                    </m:r>
+                                  </m:sup>
+                                </m:sSup>
+                                <m:r>
+                                  <a:rPr lang="en-US" altLang="ko-KR" sz="2400" b="0" i="1" smtClean="0">
+                                    <a:latin typeface="Cambria Math" panose="02040503050406030204" pitchFamily="18" charset="0"/>
+                                  </a:rPr>
+                                  <m:t>+0.7430</m:t>
+                                </m:r>
+                                <m:sSup>
+                                  <m:sSupPr>
+                                    <m:ctrlPr>
+                                      <a:rPr lang="en-US" altLang="ko-KR" sz="2400" b="0" i="1" smtClean="0">
+                                        <a:latin typeface="Cambria Math" panose="02040503050406030204" pitchFamily="18" charset="0"/>
+                                      </a:rPr>
+                                    </m:ctrlPr>
+                                  </m:sSupPr>
+                                  <m:e>
+                                    <m:r>
+                                      <a:rPr lang="en-US" altLang="ko-KR" sz="2400" b="0" i="1" smtClean="0">
+                                        <a:latin typeface="Cambria Math" panose="02040503050406030204" pitchFamily="18" charset="0"/>
+                                      </a:rPr>
+                                      <m:t>𝑒</m:t>
+                                    </m:r>
+                                  </m:e>
+                                  <m:sup>
+                                    <m:r>
+                                      <a:rPr lang="en-US" altLang="ko-KR" sz="2400" b="0" i="1" smtClean="0">
+                                        <a:latin typeface="Cambria Math" panose="02040503050406030204" pitchFamily="18" charset="0"/>
+                                      </a:rPr>
+                                      <m:t>𝑡</m:t>
+                                    </m:r>
+                                  </m:sup>
+                                </m:sSup>
+                              </m:e>
+                            </m:eqArr>
+                          </m:e>
+                        </m:d>
+                      </m:oMath>
+                    </m:oMathPara>
+                  </a14:m>
+                  <a:endParaRPr lang="ko-KR" altLang="en-US" sz="2400" dirty="0"/>
+                </a:p>
+              </p:txBody>
+            </p:sp>
+          </mc:Choice>
+          <mc:Fallback>
+            <p:sp>
+              <p:nvSpPr>
+                <p:cNvPr id="10" name="TextBox 9">
+                  <a:extLst>
+                    <a:ext uri="{FF2B5EF4-FFF2-40B4-BE49-F238E27FC236}">
+                      <a16:creationId xmlns:a16="http://schemas.microsoft.com/office/drawing/2014/main" id="{2C81266C-FD38-4371-B235-0F1E5EB5CF38}"/>
+                    </a:ext>
+                  </a:extLst>
+                </p:cNvPr>
+                <p:cNvSpPr txBox="1">
+                  <a:spLocks noRot="1" noChangeAspect="1" noMove="1" noResize="1" noEditPoints="1" noAdjustHandles="1" noChangeArrowheads="1" noChangeShapeType="1" noTextEdit="1"/>
+                </p:cNvSpPr>
+                <p:nvPr/>
+              </p:nvSpPr>
+              <p:spPr>
+                <a:xfrm>
+                  <a:off x="3829032" y="167640"/>
+                  <a:ext cx="4330737" cy="1051570"/>
+                </a:xfrm>
+                <a:prstGeom prst="rect">
+                  <a:avLst/>
+                </a:prstGeom>
+                <a:blipFill>
+                  <a:blip r:embed="rId3"/>
+                  <a:stretch>
+                    <a:fillRect/>
+                  </a:stretch>
+                </a:blipFill>
+              </p:spPr>
+              <p:txBody>
+                <a:bodyPr/>
+                <a:lstStyle/>
+                <a:p>
+                  <a:r>
+                    <a:rPr lang="ko-KR" altLang="en-US">
+                      <a:noFill/>
+                    </a:rPr>
+                    <a:t> </a:t>
+                  </a:r>
+                </a:p>
+              </p:txBody>
+            </p:sp>
+          </mc:Fallback>
+        </mc:AlternateContent>
+      </p:grpSp>
+    </p:spTree>
+    <p:extLst>
+      <p:ext uri="{BB962C8B-B14F-4D97-AF65-F5344CB8AC3E}">
+        <p14:creationId xmlns:p14="http://schemas.microsoft.com/office/powerpoint/2010/main" val="4167312050"/>
+      </p:ext>
+    </p:extLst>
+  </p:cSld>
+  <p:clrMapOvr>
+    <a:masterClrMapping/>
+  </p:clrMapOvr>
+</p:sld>
+</file>
+
 <file path=ppt/theme/theme1.xml><?xml version="1.0" encoding="utf-8"?>
 <a:theme xmlns:a="http://schemas.openxmlformats.org/drawingml/2006/main" name="Office 테마">
   <a:themeElements>

--- a/pics/2021-05-28-Boundary_Value_Proglem/pics.pptx
+++ b/pics/2021-05-28-Boundary_Value_Proglem/pics.pptx
@@ -6,8 +6,9 @@
   </p:sldMasterIdLst>
   <p:sldIdLst>
     <p:sldId id="256" r:id="rId2"/>
-    <p:sldId id="257" r:id="rId3"/>
-    <p:sldId id="258" r:id="rId4"/>
+    <p:sldId id="259" r:id="rId3"/>
+    <p:sldId id="257" r:id="rId4"/>
+    <p:sldId id="258" r:id="rId5"/>
   </p:sldIdLst>
   <p:sldSz cx="12192000" cy="6858000"/>
   <p:notesSz cx="6858000" cy="9144000"/>
@@ -106,6 +107,11 @@
       </a:defRPr>
     </a:lvl9pPr>
   </p:defaultTextStyle>
+  <p:extLst>
+    <p:ext uri="{EFAFB233-063F-42B5-8137-9DF3F51BA10A}">
+      <p15:sldGuideLst xmlns:p15="http://schemas.microsoft.com/office/powerpoint/2012/main"/>
+    </p:ext>
+  </p:extLst>
 </p:presentation>
 </file>
 
@@ -256,7 +262,7 @@
           <a:p>
             <a:fld id="{CA8ECC48-6342-42CE-A72A-B9BFBD4E6C7A}" type="datetimeFigureOut">
               <a:rPr lang="ko-KR" altLang="en-US" smtClean="0"/>
-              <a:t>2021-05-29</a:t>
+              <a:t>2023-05-10</a:t>
             </a:fld>
             <a:endParaRPr lang="ko-KR" altLang="en-US"/>
           </a:p>
@@ -454,7 +460,7 @@
           <a:p>
             <a:fld id="{CA8ECC48-6342-42CE-A72A-B9BFBD4E6C7A}" type="datetimeFigureOut">
               <a:rPr lang="ko-KR" altLang="en-US" smtClean="0"/>
-              <a:t>2021-05-29</a:t>
+              <a:t>2023-05-10</a:t>
             </a:fld>
             <a:endParaRPr lang="ko-KR" altLang="en-US"/>
           </a:p>
@@ -662,7 +668,7 @@
           <a:p>
             <a:fld id="{CA8ECC48-6342-42CE-A72A-B9BFBD4E6C7A}" type="datetimeFigureOut">
               <a:rPr lang="ko-KR" altLang="en-US" smtClean="0"/>
-              <a:t>2021-05-29</a:t>
+              <a:t>2023-05-10</a:t>
             </a:fld>
             <a:endParaRPr lang="ko-KR" altLang="en-US"/>
           </a:p>
@@ -860,7 +866,7 @@
           <a:p>
             <a:fld id="{CA8ECC48-6342-42CE-A72A-B9BFBD4E6C7A}" type="datetimeFigureOut">
               <a:rPr lang="ko-KR" altLang="en-US" smtClean="0"/>
-              <a:t>2021-05-29</a:t>
+              <a:t>2023-05-10</a:t>
             </a:fld>
             <a:endParaRPr lang="ko-KR" altLang="en-US"/>
           </a:p>
@@ -1135,7 +1141,7 @@
           <a:p>
             <a:fld id="{CA8ECC48-6342-42CE-A72A-B9BFBD4E6C7A}" type="datetimeFigureOut">
               <a:rPr lang="ko-KR" altLang="en-US" smtClean="0"/>
-              <a:t>2021-05-29</a:t>
+              <a:t>2023-05-10</a:t>
             </a:fld>
             <a:endParaRPr lang="ko-KR" altLang="en-US"/>
           </a:p>
@@ -1400,7 +1406,7 @@
           <a:p>
             <a:fld id="{CA8ECC48-6342-42CE-A72A-B9BFBD4E6C7A}" type="datetimeFigureOut">
               <a:rPr lang="ko-KR" altLang="en-US" smtClean="0"/>
-              <a:t>2021-05-29</a:t>
+              <a:t>2023-05-10</a:t>
             </a:fld>
             <a:endParaRPr lang="ko-KR" altLang="en-US"/>
           </a:p>
@@ -1812,7 +1818,7 @@
           <a:p>
             <a:fld id="{CA8ECC48-6342-42CE-A72A-B9BFBD4E6C7A}" type="datetimeFigureOut">
               <a:rPr lang="ko-KR" altLang="en-US" smtClean="0"/>
-              <a:t>2021-05-29</a:t>
+              <a:t>2023-05-10</a:t>
             </a:fld>
             <a:endParaRPr lang="ko-KR" altLang="en-US"/>
           </a:p>
@@ -1953,7 +1959,7 @@
           <a:p>
             <a:fld id="{CA8ECC48-6342-42CE-A72A-B9BFBD4E6C7A}" type="datetimeFigureOut">
               <a:rPr lang="ko-KR" altLang="en-US" smtClean="0"/>
-              <a:t>2021-05-29</a:t>
+              <a:t>2023-05-10</a:t>
             </a:fld>
             <a:endParaRPr lang="ko-KR" altLang="en-US"/>
           </a:p>
@@ -2066,7 +2072,7 @@
           <a:p>
             <a:fld id="{CA8ECC48-6342-42CE-A72A-B9BFBD4E6C7A}" type="datetimeFigureOut">
               <a:rPr lang="ko-KR" altLang="en-US" smtClean="0"/>
-              <a:t>2021-05-29</a:t>
+              <a:t>2023-05-10</a:t>
             </a:fld>
             <a:endParaRPr lang="ko-KR" altLang="en-US"/>
           </a:p>
@@ -2377,7 +2383,7 @@
           <a:p>
             <a:fld id="{CA8ECC48-6342-42CE-A72A-B9BFBD4E6C7A}" type="datetimeFigureOut">
               <a:rPr lang="ko-KR" altLang="en-US" smtClean="0"/>
-              <a:t>2021-05-29</a:t>
+              <a:t>2023-05-10</a:t>
             </a:fld>
             <a:endParaRPr lang="ko-KR" altLang="en-US"/>
           </a:p>
@@ -2665,7 +2671,7 @@
           <a:p>
             <a:fld id="{CA8ECC48-6342-42CE-A72A-B9BFBD4E6C7A}" type="datetimeFigureOut">
               <a:rPr lang="ko-KR" altLang="en-US" smtClean="0"/>
-              <a:t>2021-05-29</a:t>
+              <a:t>2023-05-10</a:t>
             </a:fld>
             <a:endParaRPr lang="ko-KR" altLang="en-US"/>
           </a:p>
@@ -2906,7 +2912,7 @@
           <a:p>
             <a:fld id="{CA8ECC48-6342-42CE-A72A-B9BFBD4E6C7A}" type="datetimeFigureOut">
               <a:rPr lang="ko-KR" altLang="en-US" smtClean="0"/>
-              <a:t>2021-05-29</a:t>
+              <a:t>2023-05-10</a:t>
             </a:fld>
             <a:endParaRPr lang="ko-KR" altLang="en-US"/>
           </a:p>
@@ -3635,6 +3641,302 @@
           <p:cNvPr id="5" name="그림 4">
             <a:extLst>
               <a:ext uri="{FF2B5EF4-FFF2-40B4-BE49-F238E27FC236}">
+                <a16:creationId xmlns:a16="http://schemas.microsoft.com/office/drawing/2014/main" id="{B0B134D8-0A26-42B5-8310-A24496629C2A}"/>
+              </a:ext>
+            </a:extLst>
+          </p:cNvPr>
+          <p:cNvPicPr>
+            <a:picLocks noChangeAspect="1"/>
+          </p:cNvPicPr>
+          <p:nvPr/>
+        </p:nvPicPr>
+        <p:blipFill>
+          <a:blip r:embed="rId2"/>
+          <a:stretch>
+            <a:fillRect/>
+          </a:stretch>
+        </p:blipFill>
+        <p:spPr>
+          <a:xfrm>
+            <a:off x="5892479" y="928347"/>
+            <a:ext cx="6319776" cy="4739832"/>
+          </a:xfrm>
+          <a:prstGeom prst="rect">
+            <a:avLst/>
+          </a:prstGeom>
+        </p:spPr>
+      </p:pic>
+      <p:pic>
+        <p:nvPicPr>
+          <p:cNvPr id="7" name="그림 6">
+            <a:extLst>
+              <a:ext uri="{FF2B5EF4-FFF2-40B4-BE49-F238E27FC236}">
+                <a16:creationId xmlns:a16="http://schemas.microsoft.com/office/drawing/2014/main" id="{2C9EE388-38F1-4B08-B41F-0D1CF0923154}"/>
+              </a:ext>
+            </a:extLst>
+          </p:cNvPr>
+          <p:cNvPicPr>
+            <a:picLocks noChangeAspect="1"/>
+          </p:cNvPicPr>
+          <p:nvPr/>
+        </p:nvPicPr>
+        <p:blipFill>
+          <a:blip r:embed="rId3"/>
+          <a:stretch>
+            <a:fillRect/>
+          </a:stretch>
+        </p:blipFill>
+        <p:spPr>
+          <a:xfrm>
+            <a:off x="-20254" y="928346"/>
+            <a:ext cx="6319776" cy="4739832"/>
+          </a:xfrm>
+          <a:prstGeom prst="rect">
+            <a:avLst/>
+          </a:prstGeom>
+        </p:spPr>
+      </p:pic>
+      <p:sp>
+        <p:nvSpPr>
+          <p:cNvPr id="11" name="TextBox 10">
+            <a:extLst>
+              <a:ext uri="{FF2B5EF4-FFF2-40B4-BE49-F238E27FC236}">
+                <a16:creationId xmlns:a16="http://schemas.microsoft.com/office/drawing/2014/main" id="{D39E58BB-A2BB-4F16-984B-A7B0DBE5C946}"/>
+              </a:ext>
+            </a:extLst>
+          </p:cNvPr>
+          <p:cNvSpPr txBox="1"/>
+          <p:nvPr/>
+        </p:nvSpPr>
+        <p:spPr>
+          <a:xfrm>
+            <a:off x="1381408" y="442206"/>
+            <a:ext cx="3747950" cy="523220"/>
+          </a:xfrm>
+          <a:prstGeom prst="rect">
+            <a:avLst/>
+          </a:prstGeom>
+          <a:noFill/>
+        </p:spPr>
+        <p:txBody>
+          <a:bodyPr wrap="none" rtlCol="0">
+            <a:spAutoFit/>
+          </a:bodyPr>
+          <a:lstStyle/>
+          <a:p>
+            <a:pPr algn="ctr"/>
+            <a:r>
+              <a:rPr lang="en-US" altLang="ko-KR" sz="2800" b="1" dirty="0"/>
+              <a:t>Initial Value Problem</a:t>
+            </a:r>
+            <a:endParaRPr lang="ko-KR" altLang="en-US" sz="2800" b="1" dirty="0"/>
+          </a:p>
+        </p:txBody>
+      </p:sp>
+      <p:sp>
+        <p:nvSpPr>
+          <p:cNvPr id="12" name="TextBox 11">
+            <a:extLst>
+              <a:ext uri="{FF2B5EF4-FFF2-40B4-BE49-F238E27FC236}">
+                <a16:creationId xmlns:a16="http://schemas.microsoft.com/office/drawing/2014/main" id="{7EB65EF0-7964-4093-8067-A9A99B2B90C8}"/>
+              </a:ext>
+            </a:extLst>
+          </p:cNvPr>
+          <p:cNvSpPr txBox="1"/>
+          <p:nvPr/>
+        </p:nvSpPr>
+        <p:spPr>
+          <a:xfrm>
+            <a:off x="6827625" y="442206"/>
+            <a:ext cx="4449488" cy="523220"/>
+          </a:xfrm>
+          <a:prstGeom prst="rect">
+            <a:avLst/>
+          </a:prstGeom>
+          <a:noFill/>
+        </p:spPr>
+        <p:txBody>
+          <a:bodyPr wrap="none" rtlCol="0">
+            <a:spAutoFit/>
+          </a:bodyPr>
+          <a:lstStyle/>
+          <a:p>
+            <a:pPr algn="ctr"/>
+            <a:r>
+              <a:rPr lang="en-US" altLang="ko-KR" sz="2800" b="1" dirty="0"/>
+              <a:t>Boundary Value Problem</a:t>
+            </a:r>
+            <a:endParaRPr lang="ko-KR" altLang="en-US" sz="2800" b="1" dirty="0"/>
+          </a:p>
+        </p:txBody>
+      </p:sp>
+      <p:sp>
+        <p:nvSpPr>
+          <p:cNvPr id="14" name="TextBox 13">
+            <a:extLst>
+              <a:ext uri="{FF2B5EF4-FFF2-40B4-BE49-F238E27FC236}">
+                <a16:creationId xmlns:a16="http://schemas.microsoft.com/office/drawing/2014/main" id="{810A3356-C780-4379-B04A-2CC9A701E7DA}"/>
+              </a:ext>
+            </a:extLst>
+          </p:cNvPr>
+          <p:cNvSpPr txBox="1"/>
+          <p:nvPr/>
+        </p:nvSpPr>
+        <p:spPr>
+          <a:xfrm>
+            <a:off x="478451" y="5584798"/>
+            <a:ext cx="5553892" cy="830997"/>
+          </a:xfrm>
+          <a:prstGeom prst="rect">
+            <a:avLst/>
+          </a:prstGeom>
+          <a:noFill/>
+        </p:spPr>
+        <p:txBody>
+          <a:bodyPr wrap="none" rtlCol="0">
+            <a:spAutoFit/>
+          </a:bodyPr>
+          <a:lstStyle/>
+          <a:p>
+            <a:pPr algn="ctr"/>
+            <a:r>
+              <a:rPr lang="en-US" altLang="ko-KR" sz="2400" dirty="0"/>
+              <a:t>If it starts from the red dot, </a:t>
+            </a:r>
+          </a:p>
+          <a:p>
+            <a:pPr algn="ctr"/>
+            <a:r>
+              <a:rPr lang="en-US" altLang="ko-KR" sz="2400" dirty="0"/>
+              <a:t>how would the solution curve be like?</a:t>
+            </a:r>
+            <a:endParaRPr lang="ko-KR" altLang="en-US" sz="2400" dirty="0"/>
+          </a:p>
+        </p:txBody>
+      </p:sp>
+      <p:sp>
+        <p:nvSpPr>
+          <p:cNvPr id="15" name="TextBox 14">
+            <a:extLst>
+              <a:ext uri="{FF2B5EF4-FFF2-40B4-BE49-F238E27FC236}">
+                <a16:creationId xmlns:a16="http://schemas.microsoft.com/office/drawing/2014/main" id="{E7165E04-FEF3-449A-9130-57AF67348C8D}"/>
+              </a:ext>
+            </a:extLst>
+          </p:cNvPr>
+          <p:cNvSpPr txBox="1"/>
+          <p:nvPr/>
+        </p:nvSpPr>
+        <p:spPr>
+          <a:xfrm>
+            <a:off x="6794172" y="5584798"/>
+            <a:ext cx="4516429" cy="1200329"/>
+          </a:xfrm>
+          <a:prstGeom prst="rect">
+            <a:avLst/>
+          </a:prstGeom>
+          <a:noFill/>
+        </p:spPr>
+        <p:txBody>
+          <a:bodyPr wrap="none" rtlCol="0">
+            <a:spAutoFit/>
+          </a:bodyPr>
+          <a:lstStyle/>
+          <a:p>
+            <a:pPr algn="ctr"/>
+            <a:r>
+              <a:rPr lang="en-US" altLang="ko-KR" sz="2400" dirty="0"/>
+              <a:t>What is the solution curve </a:t>
+            </a:r>
+          </a:p>
+          <a:p>
+            <a:pPr algn="ctr"/>
+            <a:r>
+              <a:rPr lang="en-US" altLang="ko-KR" sz="2400" dirty="0"/>
+              <a:t>that passes the specific points </a:t>
+            </a:r>
+          </a:p>
+          <a:p>
+            <a:pPr algn="ctr"/>
+            <a:r>
+              <a:rPr lang="en-US" altLang="ko-KR" sz="2400" dirty="0"/>
+              <a:t>at specific time points?</a:t>
+            </a:r>
+            <a:endParaRPr lang="ko-KR" altLang="en-US" sz="2400" dirty="0"/>
+          </a:p>
+        </p:txBody>
+      </p:sp>
+      <p:sp>
+        <p:nvSpPr>
+          <p:cNvPr id="16" name="TextBox 15">
+            <a:extLst>
+              <a:ext uri="{FF2B5EF4-FFF2-40B4-BE49-F238E27FC236}">
+                <a16:creationId xmlns:a16="http://schemas.microsoft.com/office/drawing/2014/main" id="{660AD6C0-E065-411D-AAFF-D284841C45E5}"/>
+              </a:ext>
+            </a:extLst>
+          </p:cNvPr>
+          <p:cNvSpPr txBox="1"/>
+          <p:nvPr/>
+        </p:nvSpPr>
+        <p:spPr>
+          <a:xfrm>
+            <a:off x="5707366" y="3036652"/>
+            <a:ext cx="707822" cy="523220"/>
+          </a:xfrm>
+          <a:prstGeom prst="rect">
+            <a:avLst/>
+          </a:prstGeom>
+          <a:noFill/>
+        </p:spPr>
+        <p:txBody>
+          <a:bodyPr wrap="none" rtlCol="0">
+            <a:spAutoFit/>
+          </a:bodyPr>
+          <a:lstStyle/>
+          <a:p>
+            <a:pPr algn="ctr"/>
+            <a:r>
+              <a:rPr lang="en-US" altLang="ko-KR" sz="2800" b="1" dirty="0"/>
+              <a:t>v.s.</a:t>
+            </a:r>
+            <a:endParaRPr lang="ko-KR" altLang="en-US" sz="2800" b="1" dirty="0"/>
+          </a:p>
+        </p:txBody>
+      </p:sp>
+    </p:spTree>
+    <p:extLst>
+      <p:ext uri="{BB962C8B-B14F-4D97-AF65-F5344CB8AC3E}">
+        <p14:creationId xmlns:p14="http://schemas.microsoft.com/office/powerpoint/2010/main" val="1889962007"/>
+      </p:ext>
+    </p:extLst>
+  </p:cSld>
+  <p:clrMapOvr>
+    <a:masterClrMapping/>
+  </p:clrMapOvr>
+</p:sld>
+</file>
+
+<file path=ppt/slides/slide3.xml><?xml version="1.0" encoding="utf-8"?>
+<p:sld xmlns:a="http://schemas.openxmlformats.org/drawingml/2006/main" xmlns:r="http://schemas.openxmlformats.org/officeDocument/2006/relationships" xmlns:p="http://schemas.openxmlformats.org/presentationml/2006/main">
+  <p:cSld>
+    <p:spTree>
+      <p:nvGrpSpPr>
+        <p:cNvPr id="1" name=""/>
+        <p:cNvGrpSpPr/>
+        <p:nvPr/>
+      </p:nvGrpSpPr>
+      <p:grpSpPr>
+        <a:xfrm>
+          <a:off x="0" y="0"/>
+          <a:ext cx="0" cy="0"/>
+          <a:chOff x="0" y="0"/>
+          <a:chExt cx="0" cy="0"/>
+        </a:xfrm>
+      </p:grpSpPr>
+      <p:pic>
+        <p:nvPicPr>
+          <p:cNvPr id="5" name="그림 4">
+            <a:extLst>
+              <a:ext uri="{FF2B5EF4-FFF2-40B4-BE49-F238E27FC236}">
                 <a16:creationId xmlns:a16="http://schemas.microsoft.com/office/drawing/2014/main" id="{4B947825-A0DF-441C-8FBE-3EF2DD63D37C}"/>
               </a:ext>
             </a:extLst>
@@ -3673,7 +3975,7 @@
 </p:sld>
 </file>
 
-<file path=ppt/slides/slide3.xml><?xml version="1.0" encoding="utf-8"?>
+<file path=ppt/slides/slide4.xml><?xml version="1.0" encoding="utf-8"?>
 <p:sld xmlns:a="http://schemas.openxmlformats.org/drawingml/2006/main" xmlns:r="http://schemas.openxmlformats.org/officeDocument/2006/relationships" xmlns:p="http://schemas.openxmlformats.org/presentationml/2006/main">
   <p:cSld>
     <p:spTree>
@@ -3740,8 +4042,8 @@
             </a:prstGeom>
           </p:spPr>
         </p:pic>
-        <mc:AlternateContent xmlns:mc="http://schemas.openxmlformats.org/markup-compatibility/2006">
-          <mc:Choice xmlns:a14="http://schemas.microsoft.com/office/drawing/2010/main" Requires="a14">
+        <mc:AlternateContent xmlns:mc="http://schemas.openxmlformats.org/markup-compatibility/2006" xmlns:a14="http://schemas.microsoft.com/office/drawing/2010/main">
+          <mc:Choice Requires="a14">
             <p:sp>
               <p:nvSpPr>
                 <p:cNvPr id="10" name="TextBox 9">
@@ -3770,6 +4072,7 @@
                 </a:bodyPr>
                 <a:lstStyle/>
                 <a:p>
+                  <a:pPr/>
                   <a14:m>
                     <m:oMathPara xmlns:m="http://schemas.openxmlformats.org/officeDocument/2006/math">
                       <m:oMathParaPr>
@@ -3992,7 +4295,7 @@
               </p:txBody>
             </p:sp>
           </mc:Choice>
-          <mc:Fallback>
+          <mc:Fallback xmlns="">
             <p:sp>
               <p:nvSpPr>
                 <p:cNvPr id="10" name="TextBox 9">
